--- a/Lecture/Week_1/SU2 보고서 (1주차).pptx
+++ b/Lecture/Week_1/SU2 보고서 (1주차).pptx
@@ -231,7 +231,7 @@
               <a:pPr lvl="0">
                 <a:defRPr/>
               </a:pPr>
-              <a:t>2025-09-17</a:t>
+              <a:t>2025-09-18</a:t>
             </a:fld>
             <a:endParaRPr lang="ko-KR" altLang="en-US"/>
           </a:p>
@@ -421,7 +421,7 @@
               <a:pPr lvl="0">
                 <a:defRPr/>
               </a:pPr>
-              <a:t>2025-09-17</a:t>
+              <a:t>2025-09-18</a:t>
             </a:fld>
             <a:endParaRPr lang="ko-KR" altLang="en-US"/>
           </a:p>
@@ -8924,7 +8924,7 @@
     <mc:Choice Requires="p14">
       <p:transition/>
     </mc:Choice>
-    <mc:Fallback xmlns:dsp="http://schemas.microsoft.com/office/drawing/2008/diagram" xmlns:dgm="http://schemas.openxmlformats.org/drawingml/2006/diagram" xmlns:c="http://schemas.openxmlformats.org/drawingml/2006/chart" xmlns="">
+    <mc:Fallback xmlns="" xmlns:c="http://schemas.openxmlformats.org/drawingml/2006/chart" xmlns:dgm="http://schemas.openxmlformats.org/drawingml/2006/diagram" xmlns:dsp="http://schemas.microsoft.com/office/drawing/2008/diagram">
       <p:transition/>
     </mc:Fallback>
   </mc:AlternateContent>
@@ -10472,7 +10472,7 @@
     <mc:Choice Requires="p14">
       <p:transition/>
     </mc:Choice>
-    <mc:Fallback xmlns:dsp="http://schemas.microsoft.com/office/drawing/2008/diagram" xmlns:dgm="http://schemas.openxmlformats.org/drawingml/2006/diagram" xmlns:c="http://schemas.openxmlformats.org/drawingml/2006/chart" xmlns="">
+    <mc:Fallback xmlns="" xmlns:c="http://schemas.openxmlformats.org/drawingml/2006/chart" xmlns:dgm="http://schemas.openxmlformats.org/drawingml/2006/diagram" xmlns:dsp="http://schemas.microsoft.com/office/drawing/2008/diagram">
       <p:transition/>
     </mc:Fallback>
   </mc:AlternateContent>
@@ -10764,8 +10764,8 @@
           </p:txBody>
         </p:sp>
       </p:grpSp>
-      <mc:AlternateContent xmlns:mc="http://schemas.openxmlformats.org/markup-compatibility/2006">
-        <mc:Choice xmlns:a14="http://schemas.microsoft.com/office/drawing/2010/main" Requires="a14">
+      <mc:AlternateContent xmlns:mc="http://schemas.openxmlformats.org/markup-compatibility/2006" xmlns:a14="http://schemas.microsoft.com/office/drawing/2010/main">
+        <mc:Choice Requires="a14">
           <p:sp>
             <p:nvSpPr>
               <p:cNvPr id="6" name="TextBox 5">
@@ -12408,7 +12408,7 @@
             </p:txBody>
           </p:sp>
         </mc:Choice>
-        <mc:Fallback>
+        <mc:Fallback xmlns="">
           <p:sp>
             <p:nvSpPr>
               <p:cNvPr id="6" name="TextBox 5">
@@ -12781,7 +12781,7 @@
     <mc:Choice Requires="p14">
       <p:transition/>
     </mc:Choice>
-    <mc:Fallback xmlns:dsp="http://schemas.microsoft.com/office/drawing/2008/diagram" xmlns:dgm="http://schemas.openxmlformats.org/drawingml/2006/diagram" xmlns:c="http://schemas.openxmlformats.org/drawingml/2006/chart" xmlns="">
+    <mc:Fallback xmlns="" xmlns:c="http://schemas.openxmlformats.org/drawingml/2006/chart" xmlns:dgm="http://schemas.openxmlformats.org/drawingml/2006/diagram" xmlns:dsp="http://schemas.microsoft.com/office/drawing/2008/diagram">
       <p:transition/>
     </mc:Fallback>
   </mc:AlternateContent>
@@ -12946,7 +12946,7 @@
     <mc:Choice Requires="p14">
       <p:transition/>
     </mc:Choice>
-    <mc:Fallback xmlns:dsp="http://schemas.microsoft.com/office/drawing/2008/diagram" xmlns:dgm="http://schemas.openxmlformats.org/drawingml/2006/diagram" xmlns:c="http://schemas.openxmlformats.org/drawingml/2006/chart" xmlns="">
+    <mc:Fallback xmlns="" xmlns:c="http://schemas.openxmlformats.org/drawingml/2006/chart" xmlns:dgm="http://schemas.openxmlformats.org/drawingml/2006/diagram" xmlns:dsp="http://schemas.microsoft.com/office/drawing/2008/diagram">
       <p:transition/>
     </mc:Fallback>
   </mc:AlternateContent>
@@ -13906,7 +13906,7 @@
     <mc:Choice Requires="p14">
       <p:transition/>
     </mc:Choice>
-    <mc:Fallback xmlns:dsp="http://schemas.microsoft.com/office/drawing/2008/diagram" xmlns:dgm="http://schemas.openxmlformats.org/drawingml/2006/diagram" xmlns:c="http://schemas.openxmlformats.org/drawingml/2006/chart" xmlns="">
+    <mc:Fallback xmlns="" xmlns:c="http://schemas.openxmlformats.org/drawingml/2006/chart" xmlns:dgm="http://schemas.openxmlformats.org/drawingml/2006/diagram" xmlns:dsp="http://schemas.microsoft.com/office/drawing/2008/diagram">
       <p:transition/>
     </mc:Fallback>
   </mc:AlternateContent>
@@ -15627,7 +15627,7 @@
     <mc:Choice Requires="p14">
       <p:transition/>
     </mc:Choice>
-    <mc:Fallback xmlns:dsp="http://schemas.microsoft.com/office/drawing/2008/diagram" xmlns:dgm="http://schemas.openxmlformats.org/drawingml/2006/diagram" xmlns:c="http://schemas.openxmlformats.org/drawingml/2006/chart" xmlns="">
+    <mc:Fallback xmlns="" xmlns:c="http://schemas.openxmlformats.org/drawingml/2006/chart" xmlns:dgm="http://schemas.openxmlformats.org/drawingml/2006/diagram" xmlns:dsp="http://schemas.microsoft.com/office/drawing/2008/diagram">
       <p:transition/>
     </mc:Fallback>
   </mc:AlternateContent>
@@ -16795,7 +16795,7 @@
     <mc:Choice Requires="p14">
       <p:transition/>
     </mc:Choice>
-    <mc:Fallback xmlns:dsp="http://schemas.microsoft.com/office/drawing/2008/diagram" xmlns:dgm="http://schemas.openxmlformats.org/drawingml/2006/diagram" xmlns:c="http://schemas.openxmlformats.org/drawingml/2006/chart" xmlns="">
+    <mc:Fallback xmlns="" xmlns:c="http://schemas.openxmlformats.org/drawingml/2006/chart" xmlns:dgm="http://schemas.openxmlformats.org/drawingml/2006/diagram" xmlns:dsp="http://schemas.microsoft.com/office/drawing/2008/diagram">
       <p:transition/>
     </mc:Fallback>
   </mc:AlternateContent>
@@ -17996,7 +17996,7 @@
     <mc:Choice Requires="p14">
       <p:transition/>
     </mc:Choice>
-    <mc:Fallback xmlns:dsp="http://schemas.microsoft.com/office/drawing/2008/diagram" xmlns:dgm="http://schemas.openxmlformats.org/drawingml/2006/diagram" xmlns:c="http://schemas.openxmlformats.org/drawingml/2006/chart" xmlns="">
+    <mc:Fallback xmlns="" xmlns:c="http://schemas.openxmlformats.org/drawingml/2006/chart" xmlns:dgm="http://schemas.openxmlformats.org/drawingml/2006/diagram" xmlns:dsp="http://schemas.microsoft.com/office/drawing/2008/diagram">
       <p:transition/>
     </mc:Fallback>
   </mc:AlternateContent>
@@ -18063,101 +18063,6 @@
           </a:p>
         </p:txBody>
       </p:sp>
-      <p:grpSp>
-        <p:nvGrpSpPr>
-          <p:cNvPr id="18" name="그룹 17">
-            <a:extLst>
-              <a:ext uri="{FF2B5EF4-FFF2-40B4-BE49-F238E27FC236}">
-                <a16:creationId xmlns:a16="http://schemas.microsoft.com/office/drawing/2014/main" id="{53EB0CBE-9D75-54B6-364A-733A33D91894}"/>
-              </a:ext>
-            </a:extLst>
-          </p:cNvPr>
-          <p:cNvGrpSpPr/>
-          <p:nvPr/>
-        </p:nvGrpSpPr>
-        <p:grpSpPr>
-          <a:xfrm>
-            <a:off x="324716" y="1611258"/>
-            <a:ext cx="4443843" cy="1344693"/>
-            <a:chOff x="268732" y="1678832"/>
-            <a:chExt cx="4443843" cy="1344693"/>
-          </a:xfrm>
-        </p:grpSpPr>
-        <p:pic>
-          <p:nvPicPr>
-            <p:cNvPr id="4" name="그림 3">
-              <a:extLst>
-                <a:ext uri="{FF2B5EF4-FFF2-40B4-BE49-F238E27FC236}">
-                  <a16:creationId xmlns:a16="http://schemas.microsoft.com/office/drawing/2014/main" id="{9013B70A-AFCA-7987-EBF0-0D9DFC65098D}"/>
-                </a:ext>
-              </a:extLst>
-            </p:cNvPr>
-            <p:cNvPicPr>
-              <a:picLocks noChangeAspect="1"/>
-            </p:cNvPicPr>
-            <p:nvPr/>
-          </p:nvPicPr>
-          <p:blipFill>
-            <a:blip r:embed="rId3">
-              <a:extLst>
-                <a:ext uri="{28A0092B-C50C-407E-A947-70E740481C1C}">
-                  <a14:useLocalDpi xmlns:a14="http://schemas.microsoft.com/office/drawing/2010/main" val="0"/>
-                </a:ext>
-              </a:extLst>
-            </a:blip>
-            <a:srcRect/>
-            <a:stretch/>
-          </p:blipFill>
-          <p:spPr>
-            <a:xfrm>
-              <a:off x="268732" y="1678832"/>
-              <a:ext cx="4341206" cy="1113861"/>
-            </a:xfrm>
-            <a:prstGeom prst="rect">
-              <a:avLst/>
-            </a:prstGeom>
-          </p:spPr>
-        </p:pic>
-        <p:sp>
-          <p:nvSpPr>
-            <p:cNvPr id="13" name="TextBox 12">
-              <a:extLst>
-                <a:ext uri="{FF2B5EF4-FFF2-40B4-BE49-F238E27FC236}">
-                  <a16:creationId xmlns:a16="http://schemas.microsoft.com/office/drawing/2014/main" id="{433C77CF-F607-F232-F65C-EAC545E33D42}"/>
-                </a:ext>
-              </a:extLst>
-            </p:cNvPr>
-            <p:cNvSpPr txBox="1"/>
-            <p:nvPr/>
-          </p:nvSpPr>
-          <p:spPr>
-            <a:xfrm>
-              <a:off x="3461657" y="2792693"/>
-              <a:ext cx="1250918" cy="230832"/>
-            </a:xfrm>
-            <a:prstGeom prst="rect">
-              <a:avLst/>
-            </a:prstGeom>
-            <a:noFill/>
-          </p:spPr>
-          <p:txBody>
-            <a:bodyPr wrap="square" rtlCol="0">
-              <a:spAutoFit/>
-            </a:bodyPr>
-            <a:lstStyle/>
-            <a:p>
-              <a:r>
-                <a:rPr lang="en-US" altLang="ko-KR" sz="900" dirty="0"/>
-                <a:t>Fig. 8 SU2 </a:t>
-              </a:r>
-              <a:r>
-                <a:rPr lang="ko-KR" altLang="en-US" sz="900" dirty="0"/>
-                <a:t>실행 결과</a:t>
-              </a:r>
-            </a:p>
-          </p:txBody>
-        </p:sp>
-      </p:grpSp>
       <p:sp>
         <p:nvSpPr>
           <p:cNvPr id="16" name="TextBox 15">
@@ -18216,7 +18121,7 @@
         </p:nvSpPr>
         <p:spPr>
           <a:xfrm>
-            <a:off x="5047861" y="1386291"/>
+            <a:off x="577349" y="1283413"/>
             <a:ext cx="7072604" cy="1615827"/>
           </a:xfrm>
           <a:prstGeom prst="rect">
@@ -18449,7 +18354,29 @@
                   </a:schemeClr>
                 </a:solidFill>
               </a:rPr>
-              <a:t>Fig. 5 </a:t>
+              <a:t>Fig. 8 (</a:t>
+            </a:r>
+            <a:r>
+              <a:rPr lang="ko-KR" altLang="en-US" sz="1100" dirty="0">
+                <a:solidFill>
+                  <a:schemeClr val="tx1">
+                    <a:lumMod val="65000"/>
+                    <a:lumOff val="35000"/>
+                  </a:schemeClr>
+                </a:solidFill>
+              </a:rPr>
+              <a:t>좌</a:t>
+            </a:r>
+            <a:r>
+              <a:rPr lang="en-US" altLang="ko-KR" sz="1100" dirty="0">
+                <a:solidFill>
+                  <a:schemeClr val="tx1">
+                    <a:lumMod val="65000"/>
+                    <a:lumOff val="35000"/>
+                  </a:schemeClr>
+                </a:solidFill>
+              </a:rPr>
+              <a:t>) </a:t>
             </a:r>
             <a:r>
               <a:rPr lang="ko-KR" altLang="en-US" sz="1100" dirty="0">
@@ -18744,7 +18671,7 @@
         </p:nvSpPr>
         <p:spPr>
           <a:xfrm>
-            <a:off x="5047861" y="3342600"/>
+            <a:off x="1175177" y="3264289"/>
             <a:ext cx="4641673" cy="938719"/>
           </a:xfrm>
           <a:prstGeom prst="rect">
@@ -18800,7 +18727,7 @@
                   </a:schemeClr>
                 </a:solidFill>
               </a:rPr>
-              <a:t>예제 파일을 참조</a:t>
+              <a:t>예제 파일을 참조함</a:t>
             </a:r>
             <a:r>
               <a:rPr lang="en-US" altLang="ko-KR" sz="1100" dirty="0">
@@ -18821,7 +18748,7 @@
                     <a:lumOff val="35000"/>
                   </a:schemeClr>
                 </a:solidFill>
-                <a:hlinkClick r:id="rId4"/>
+                <a:hlinkClick r:id="rId3"/>
               </a:rPr>
               <a:t>링크</a:t>
             </a:r>
@@ -18918,6 +18845,542 @@
           </a:p>
         </p:txBody>
       </p:sp>
+      <p:grpSp>
+        <p:nvGrpSpPr>
+          <p:cNvPr id="9" name="그룹 8">
+            <a:extLst>
+              <a:ext uri="{FF2B5EF4-FFF2-40B4-BE49-F238E27FC236}">
+                <a16:creationId xmlns:a16="http://schemas.microsoft.com/office/drawing/2014/main" id="{C8A95268-ED6C-51C8-591F-0F2413904C7B}"/>
+              </a:ext>
+            </a:extLst>
+          </p:cNvPr>
+          <p:cNvGrpSpPr/>
+          <p:nvPr/>
+        </p:nvGrpSpPr>
+        <p:grpSpPr>
+          <a:xfrm>
+            <a:off x="1475644" y="2412445"/>
+            <a:ext cx="9938947" cy="4230651"/>
+            <a:chOff x="1363676" y="1785610"/>
+            <a:chExt cx="9938947" cy="4230651"/>
+          </a:xfrm>
+        </p:grpSpPr>
+        <p:grpSp>
+          <p:nvGrpSpPr>
+            <p:cNvPr id="18" name="그룹 17">
+              <a:extLst>
+                <a:ext uri="{FF2B5EF4-FFF2-40B4-BE49-F238E27FC236}">
+                  <a16:creationId xmlns:a16="http://schemas.microsoft.com/office/drawing/2014/main" id="{53EB0CBE-9D75-54B6-364A-733A33D91894}"/>
+                </a:ext>
+              </a:extLst>
+            </p:cNvPr>
+            <p:cNvGrpSpPr/>
+            <p:nvPr/>
+          </p:nvGrpSpPr>
+          <p:grpSpPr>
+            <a:xfrm>
+              <a:off x="1363676" y="4301663"/>
+              <a:ext cx="5871274" cy="1714598"/>
+              <a:chOff x="-1371749" y="1370922"/>
+              <a:chExt cx="5871274" cy="1714598"/>
+            </a:xfrm>
+          </p:grpSpPr>
+          <p:pic>
+            <p:nvPicPr>
+              <p:cNvPr id="4" name="그림 3">
+                <a:extLst>
+                  <a:ext uri="{FF2B5EF4-FFF2-40B4-BE49-F238E27FC236}">
+                    <a16:creationId xmlns:a16="http://schemas.microsoft.com/office/drawing/2014/main" id="{9013B70A-AFCA-7987-EBF0-0D9DFC65098D}"/>
+                  </a:ext>
+                </a:extLst>
+              </p:cNvPr>
+              <p:cNvPicPr>
+                <a:picLocks noChangeAspect="1"/>
+              </p:cNvPicPr>
+              <p:nvPr/>
+            </p:nvPicPr>
+            <p:blipFill>
+              <a:blip r:embed="rId4">
+                <a:extLst>
+                  <a:ext uri="{28A0092B-C50C-407E-A947-70E740481C1C}">
+                    <a14:useLocalDpi xmlns:a14="http://schemas.microsoft.com/office/drawing/2010/main" val="0"/>
+                  </a:ext>
+                </a:extLst>
+              </a:blip>
+              <a:srcRect/>
+              <a:stretch/>
+            </p:blipFill>
+            <p:spPr>
+              <a:xfrm>
+                <a:off x="-1371749" y="1370922"/>
+                <a:ext cx="4341206" cy="1113861"/>
+              </a:xfrm>
+              <a:prstGeom prst="rect">
+                <a:avLst/>
+              </a:prstGeom>
+            </p:spPr>
+          </p:pic>
+          <p:sp>
+            <p:nvSpPr>
+              <p:cNvPr id="13" name="TextBox 12">
+                <a:extLst>
+                  <a:ext uri="{FF2B5EF4-FFF2-40B4-BE49-F238E27FC236}">
+                    <a16:creationId xmlns:a16="http://schemas.microsoft.com/office/drawing/2014/main" id="{433C77CF-F607-F232-F65C-EAC545E33D42}"/>
+                  </a:ext>
+                </a:extLst>
+              </p:cNvPr>
+              <p:cNvSpPr txBox="1"/>
+              <p:nvPr/>
+            </p:nvSpPr>
+            <p:spPr>
+              <a:xfrm>
+                <a:off x="3248607" y="2854688"/>
+                <a:ext cx="1250918" cy="230832"/>
+              </a:xfrm>
+              <a:prstGeom prst="rect">
+                <a:avLst/>
+              </a:prstGeom>
+              <a:noFill/>
+            </p:spPr>
+            <p:txBody>
+              <a:bodyPr wrap="square" rtlCol="0">
+                <a:spAutoFit/>
+              </a:bodyPr>
+              <a:lstStyle/>
+              <a:p>
+                <a:r>
+                  <a:rPr lang="en-US" altLang="ko-KR" sz="900" dirty="0"/>
+                  <a:t>Fig. 8 SU2 </a:t>
+                </a:r>
+                <a:r>
+                  <a:rPr lang="ko-KR" altLang="en-US" sz="900" dirty="0"/>
+                  <a:t>실행 결과</a:t>
+                </a:r>
+              </a:p>
+            </p:txBody>
+          </p:sp>
+        </p:grpSp>
+        <p:pic>
+          <p:nvPicPr>
+            <p:cNvPr id="5" name="그림 4">
+              <a:extLst>
+                <a:ext uri="{FF2B5EF4-FFF2-40B4-BE49-F238E27FC236}">
+                  <a16:creationId xmlns:a16="http://schemas.microsoft.com/office/drawing/2014/main" id="{82A2936E-8B7F-52FF-6EFB-AFFF4BDEEF81}"/>
+                </a:ext>
+              </a:extLst>
+            </p:cNvPr>
+            <p:cNvPicPr>
+              <a:picLocks noChangeAspect="1"/>
+            </p:cNvPicPr>
+            <p:nvPr/>
+          </p:nvPicPr>
+          <p:blipFill>
+            <a:blip r:embed="rId5"/>
+            <a:stretch>
+              <a:fillRect/>
+            </a:stretch>
+          </p:blipFill>
+          <p:spPr>
+            <a:xfrm>
+              <a:off x="7903312" y="1785610"/>
+              <a:ext cx="3399311" cy="4115235"/>
+            </a:xfrm>
+            <a:prstGeom prst="rect">
+              <a:avLst/>
+            </a:prstGeom>
+          </p:spPr>
+        </p:pic>
+      </p:grpSp>
+      <mc:AlternateContent xmlns:mc="http://schemas.openxmlformats.org/markup-compatibility/2006">
+        <mc:Choice xmlns:a14="http://schemas.microsoft.com/office/drawing/2010/main" Requires="a14">
+          <p:sp>
+            <p:nvSpPr>
+              <p:cNvPr id="6" name="TextBox 5">
+                <a:extLst>
+                  <a:ext uri="{FF2B5EF4-FFF2-40B4-BE49-F238E27FC236}">
+                    <a16:creationId xmlns:a16="http://schemas.microsoft.com/office/drawing/2014/main" id="{D754415C-C013-21C5-8495-5C4DBC88E119}"/>
+                  </a:ext>
+                </a:extLst>
+              </p:cNvPr>
+              <p:cNvSpPr txBox="1"/>
+              <p:nvPr/>
+            </p:nvSpPr>
+            <p:spPr>
+              <a:xfrm>
+                <a:off x="7536167" y="1479002"/>
+                <a:ext cx="4357539" cy="923330"/>
+              </a:xfrm>
+              <a:prstGeom prst="rect">
+                <a:avLst/>
+              </a:prstGeom>
+              <a:noFill/>
+            </p:spPr>
+            <p:txBody>
+              <a:bodyPr wrap="square" rtlCol="0">
+                <a:spAutoFit/>
+              </a:bodyPr>
+              <a:lstStyle/>
+              <a:p>
+                <a:pPr marL="171450" indent="-171450">
+                  <a:buFont typeface="Wingdings" panose="05000000000000000000" pitchFamily="2" charset="2"/>
+                  <a:buChar char="Ø"/>
+                </a:pPr>
+                <a:r>
+                  <a:rPr lang="ko-KR" altLang="en-US" sz="1100" dirty="0">
+                    <a:solidFill>
+                      <a:schemeClr val="tx1">
+                        <a:lumMod val="65000"/>
+                        <a:lumOff val="35000"/>
+                      </a:schemeClr>
+                    </a:solidFill>
+                  </a:rPr>
+                  <a:t>실행 결과 </a:t>
+                </a:r>
+                <a:endParaRPr lang="en-US" altLang="ko-KR" sz="1100" dirty="0">
+                  <a:solidFill>
+                    <a:schemeClr val="tx1">
+                      <a:lumMod val="65000"/>
+                      <a:lumOff val="35000"/>
+                    </a:schemeClr>
+                  </a:solidFill>
+                </a:endParaRPr>
+              </a:p>
+              <a:p>
+                <a:r>
+                  <a:rPr lang="en-US" altLang="ko-KR" sz="1100" dirty="0" err="1">
+                    <a:solidFill>
+                      <a:schemeClr val="tx1">
+                        <a:lumMod val="65000"/>
+                        <a:lumOff val="35000"/>
+                      </a:schemeClr>
+                    </a:solidFill>
+                  </a:rPr>
+                  <a:t>cmd</a:t>
+                </a:r>
+                <a:r>
+                  <a:rPr lang="ko-KR" altLang="en-US" sz="1100" dirty="0">
+                    <a:solidFill>
+                      <a:schemeClr val="tx1">
+                        <a:lumMod val="65000"/>
+                        <a:lumOff val="35000"/>
+                      </a:schemeClr>
+                    </a:solidFill>
+                  </a:rPr>
+                  <a:t> 를 통한 해석을 진행하면 </a:t>
+                </a:r>
+                <a:r>
+                  <a:rPr lang="en-US" altLang="ko-KR" sz="1100" dirty="0">
+                    <a:solidFill>
+                      <a:schemeClr val="tx1">
+                        <a:lumMod val="65000"/>
+                        <a:lumOff val="35000"/>
+                      </a:schemeClr>
+                    </a:solidFill>
+                  </a:rPr>
+                  <a:t>Fig.8 (</a:t>
+                </a:r>
+                <a:r>
+                  <a:rPr lang="ko-KR" altLang="en-US" sz="1100" dirty="0">
+                    <a:solidFill>
+                      <a:schemeClr val="tx1">
+                        <a:lumMod val="65000"/>
+                        <a:lumOff val="35000"/>
+                      </a:schemeClr>
+                    </a:solidFill>
+                  </a:rPr>
+                  <a:t>우</a:t>
+                </a:r>
+                <a:r>
+                  <a:rPr lang="en-US" altLang="ko-KR" sz="1100" dirty="0">
+                    <a:solidFill>
+                      <a:schemeClr val="tx1">
+                        <a:lumMod val="65000"/>
+                        <a:lumOff val="35000"/>
+                      </a:schemeClr>
+                    </a:solidFill>
+                  </a:rPr>
+                  <a:t>)</a:t>
+                </a:r>
+                <a:r>
+                  <a:rPr lang="ko-KR" altLang="en-US" sz="1100" dirty="0">
+                    <a:solidFill>
+                      <a:schemeClr val="tx1">
+                        <a:lumMod val="65000"/>
+                        <a:lumOff val="35000"/>
+                      </a:schemeClr>
+                    </a:solidFill>
+                  </a:rPr>
+                  <a:t>와 같은 결과가 나옵니다</a:t>
+                </a:r>
+                <a:r>
+                  <a:rPr lang="en-US" altLang="ko-KR" sz="1100" dirty="0">
+                    <a:solidFill>
+                      <a:schemeClr val="tx1">
+                        <a:lumMod val="65000"/>
+                        <a:lumOff val="35000"/>
+                      </a:schemeClr>
+                    </a:solidFill>
+                  </a:rPr>
+                  <a:t>.</a:t>
+                </a:r>
+              </a:p>
+              <a:p>
+                <a:endParaRPr lang="en-US" altLang="ko-KR" sz="1100" dirty="0">
+                  <a:solidFill>
+                    <a:schemeClr val="tx1">
+                      <a:lumMod val="65000"/>
+                      <a:lumOff val="35000"/>
+                    </a:schemeClr>
+                  </a:solidFill>
+                </a:endParaRPr>
+              </a:p>
+              <a:p>
+                <a:r>
+                  <a:rPr lang="ko-KR" altLang="en-US" sz="1100" dirty="0">
+                    <a:solidFill>
+                      <a:schemeClr val="tx1">
+                        <a:lumMod val="65000"/>
+                        <a:lumOff val="35000"/>
+                      </a:schemeClr>
+                    </a:solidFill>
+                  </a:rPr>
+                  <a:t>예시 파일을 보면 </a:t>
+                </a:r>
+                <a:r>
+                  <a:rPr lang="en-US" altLang="ko-KR" sz="1100" dirty="0">
+                    <a:solidFill>
+                      <a:schemeClr val="tx1">
+                        <a:lumMod val="65000"/>
+                        <a:lumOff val="35000"/>
+                      </a:schemeClr>
+                    </a:solidFill>
+                  </a:rPr>
+                  <a:t>230</a:t>
+                </a:r>
+                <a:r>
+                  <a:rPr lang="ko-KR" altLang="en-US" sz="1100" dirty="0">
+                    <a:solidFill>
+                      <a:schemeClr val="tx1">
+                        <a:lumMod val="65000"/>
+                        <a:lumOff val="35000"/>
+                      </a:schemeClr>
+                    </a:solidFill>
+                  </a:rPr>
+                  <a:t>번째 해석에서 </a:t>
+                </a:r>
+                <a14:m>
+                  <m:oMath xmlns:m="http://schemas.openxmlformats.org/officeDocument/2006/math">
+                    <m:sSub>
+                      <m:sSubPr>
+                        <m:ctrlPr>
+                          <a:rPr lang="ko-KR" altLang="ko-KR" sz="1000" i="1" smtClean="0">
+                            <a:solidFill>
+                              <a:schemeClr val="tx1">
+                                <a:lumMod val="65000"/>
+                                <a:lumOff val="35000"/>
+                              </a:schemeClr>
+                            </a:solidFill>
+                          </a:rPr>
+                        </m:ctrlPr>
+                      </m:sSubPr>
+                      <m:e>
+                        <m:r>
+                          <a:rPr lang="en-US" altLang="ko-KR" sz="1000" i="1">
+                            <a:solidFill>
+                              <a:schemeClr val="tx1">
+                                <a:lumMod val="65000"/>
+                                <a:lumOff val="35000"/>
+                              </a:schemeClr>
+                            </a:solidFill>
+                          </a:rPr>
+                          <m:t>𝐶</m:t>
+                        </m:r>
+                      </m:e>
+                      <m:sub>
+                        <m:r>
+                          <a:rPr lang="en-US" altLang="ko-KR" sz="1000" i="1">
+                            <a:solidFill>
+                              <a:schemeClr val="tx1">
+                                <a:lumMod val="65000"/>
+                                <a:lumOff val="35000"/>
+                              </a:schemeClr>
+                            </a:solidFill>
+                          </a:rPr>
+                          <m:t>𝑙</m:t>
+                        </m:r>
+                      </m:sub>
+                    </m:sSub>
+                    <m:r>
+                      <a:rPr lang="en-US" altLang="ko-KR" sz="1000" i="1">
+                        <a:solidFill>
+                          <a:schemeClr val="tx1">
+                            <a:lumMod val="65000"/>
+                            <a:lumOff val="35000"/>
+                          </a:schemeClr>
+                        </a:solidFill>
+                      </a:rPr>
+                      <m:t> </m:t>
+                    </m:r>
+                  </m:oMath>
+                </a14:m>
+                <a:r>
+                  <a:rPr lang="en-US" altLang="ko-KR" sz="1000" dirty="0">
+                    <a:solidFill>
+                      <a:schemeClr val="tx1">
+                        <a:lumMod val="65000"/>
+                        <a:lumOff val="35000"/>
+                      </a:schemeClr>
+                    </a:solidFill>
+                  </a:rPr>
+                  <a:t>0.657691, </a:t>
+                </a:r>
+                <a14:m>
+                  <m:oMath xmlns:m="http://schemas.openxmlformats.org/officeDocument/2006/math">
+                    <m:sSub>
+                      <m:sSubPr>
+                        <m:ctrlPr>
+                          <a:rPr lang="ko-KR" altLang="ko-KR" sz="1000" i="1" smtClean="0">
+                            <a:solidFill>
+                              <a:schemeClr val="tx1">
+                                <a:lumMod val="65000"/>
+                                <a:lumOff val="35000"/>
+                              </a:schemeClr>
+                            </a:solidFill>
+                          </a:rPr>
+                        </m:ctrlPr>
+                      </m:sSubPr>
+                      <m:e>
+                        <m:r>
+                          <a:rPr lang="en-US" altLang="ko-KR" sz="1000" i="1">
+                            <a:solidFill>
+                              <a:schemeClr val="tx1">
+                                <a:lumMod val="65000"/>
+                                <a:lumOff val="35000"/>
+                              </a:schemeClr>
+                            </a:solidFill>
+                          </a:rPr>
+                          <m:t>𝐶</m:t>
+                        </m:r>
+                      </m:e>
+                      <m:sub>
+                        <m:r>
+                          <a:rPr lang="en-US" altLang="ko-KR" sz="1000" i="1">
+                            <a:solidFill>
+                              <a:schemeClr val="tx1">
+                                <a:lumMod val="65000"/>
+                                <a:lumOff val="35000"/>
+                              </a:schemeClr>
+                            </a:solidFill>
+                          </a:rPr>
+                          <m:t>𝐷</m:t>
+                        </m:r>
+                      </m:sub>
+                    </m:sSub>
+                  </m:oMath>
+                </a14:m>
+                <a:r>
+                  <a:rPr lang="en-US" altLang="ko-KR" sz="1000" dirty="0">
+                    <a:solidFill>
+                      <a:schemeClr val="tx1">
+                        <a:lumMod val="65000"/>
+                        <a:lumOff val="35000"/>
+                      </a:schemeClr>
+                    </a:solidFill>
+                  </a:rPr>
+                  <a:t> 0.035163 </a:t>
+                </a:r>
+                <a:r>
+                  <a:rPr lang="ko-KR" altLang="en-US" sz="1000" dirty="0">
+                    <a:solidFill>
+                      <a:schemeClr val="tx1">
+                        <a:lumMod val="65000"/>
+                        <a:lumOff val="35000"/>
+                      </a:schemeClr>
+                    </a:solidFill>
+                  </a:rPr>
+                  <a:t>값으로 </a:t>
+                </a:r>
+                <a:endParaRPr lang="en-US" altLang="ko-KR" sz="1000" dirty="0">
+                  <a:solidFill>
+                    <a:schemeClr val="tx1">
+                      <a:lumMod val="65000"/>
+                      <a:lumOff val="35000"/>
+                    </a:schemeClr>
+                  </a:solidFill>
+                </a:endParaRPr>
+              </a:p>
+              <a:p>
+                <a:r>
+                  <a:rPr lang="ko-KR" altLang="en-US" sz="1000" dirty="0">
+                    <a:solidFill>
+                      <a:schemeClr val="tx1">
+                        <a:lumMod val="65000"/>
+                        <a:lumOff val="35000"/>
+                      </a:schemeClr>
+                    </a:solidFill>
+                  </a:rPr>
+                  <a:t>수렴이 완료 되었음을 볼 수 있습니다</a:t>
+                </a:r>
+                <a:r>
+                  <a:rPr lang="en-US" altLang="ko-KR" sz="1000" dirty="0">
+                    <a:solidFill>
+                      <a:schemeClr val="tx1">
+                        <a:lumMod val="65000"/>
+                        <a:lumOff val="35000"/>
+                      </a:schemeClr>
+                    </a:solidFill>
+                  </a:rPr>
+                  <a:t>.</a:t>
+                </a:r>
+              </a:p>
+            </p:txBody>
+          </p:sp>
+        </mc:Choice>
+        <mc:Fallback>
+          <p:sp>
+            <p:nvSpPr>
+              <p:cNvPr id="6" name="TextBox 5">
+                <a:extLst>
+                  <a:ext uri="{FF2B5EF4-FFF2-40B4-BE49-F238E27FC236}">
+                    <a16:creationId xmlns:a16="http://schemas.microsoft.com/office/drawing/2014/main" id="{D754415C-C013-21C5-8495-5C4DBC88E119}"/>
+                  </a:ext>
+                </a:extLst>
+              </p:cNvPr>
+              <p:cNvSpPr txBox="1">
+                <a:spLocks noRot="1" noChangeAspect="1" noMove="1" noResize="1" noEditPoints="1" noAdjustHandles="1" noChangeArrowheads="1" noChangeShapeType="1" noTextEdit="1"/>
+              </p:cNvSpPr>
+              <p:nvPr/>
+            </p:nvSpPr>
+            <p:spPr>
+              <a:xfrm>
+                <a:off x="7536167" y="1479002"/>
+                <a:ext cx="4357539" cy="923330"/>
+              </a:xfrm>
+              <a:prstGeom prst="rect">
+                <a:avLst/>
+              </a:prstGeom>
+              <a:blipFill>
+                <a:blip r:embed="rId6"/>
+                <a:stretch>
+                  <a:fillRect b="-1987"/>
+                </a:stretch>
+              </a:blipFill>
+            </p:spPr>
+            <p:txBody>
+              <a:bodyPr/>
+              <a:lstStyle/>
+              <a:p>
+                <a:r>
+                  <a:rPr lang="ko-KR" altLang="en-US">
+                    <a:noFill/>
+                  </a:rPr>
+                  <a:t> </a:t>
+                </a:r>
+              </a:p>
+            </p:txBody>
+          </p:sp>
+        </mc:Fallback>
+      </mc:AlternateContent>
     </p:spTree>
     <p:extLst>
       <p:ext uri="{BB962C8B-B14F-4D97-AF65-F5344CB8AC3E}">
@@ -18932,7 +19395,7 @@
     <mc:Choice Requires="p14">
       <p:transition/>
     </mc:Choice>
-    <mc:Fallback xmlns:dsp="http://schemas.microsoft.com/office/drawing/2008/diagram" xmlns:dgm="http://schemas.openxmlformats.org/drawingml/2006/diagram" xmlns:c="http://schemas.openxmlformats.org/drawingml/2006/chart" xmlns="">
+    <mc:Fallback xmlns="" xmlns:c="http://schemas.openxmlformats.org/drawingml/2006/chart" xmlns:dgm="http://schemas.openxmlformats.org/drawingml/2006/diagram" xmlns:dsp="http://schemas.microsoft.com/office/drawing/2008/diagram">
       <p:transition/>
     </mc:Fallback>
   </mc:AlternateContent>
@@ -19931,7 +20394,7 @@
     <mc:Choice Requires="p14">
       <p:transition/>
     </mc:Choice>
-    <mc:Fallback xmlns:dsp="http://schemas.microsoft.com/office/drawing/2008/diagram" xmlns:dgm="http://schemas.openxmlformats.org/drawingml/2006/diagram" xmlns:c="http://schemas.openxmlformats.org/drawingml/2006/chart" xmlns="">
+    <mc:Fallback xmlns="" xmlns:c="http://schemas.openxmlformats.org/drawingml/2006/chart" xmlns:dgm="http://schemas.openxmlformats.org/drawingml/2006/diagram" xmlns:dsp="http://schemas.microsoft.com/office/drawing/2008/diagram">
       <p:transition/>
     </mc:Fallback>
   </mc:AlternateContent>
@@ -21665,7 +22128,7 @@
     <mc:Choice Requires="p14">
       <p:transition/>
     </mc:Choice>
-    <mc:Fallback xmlns:dsp="http://schemas.microsoft.com/office/drawing/2008/diagram" xmlns:dgm="http://schemas.openxmlformats.org/drawingml/2006/diagram" xmlns:c="http://schemas.openxmlformats.org/drawingml/2006/chart" xmlns="">
+    <mc:Fallback xmlns="" xmlns:c="http://schemas.openxmlformats.org/drawingml/2006/chart" xmlns:dgm="http://schemas.openxmlformats.org/drawingml/2006/diagram" xmlns:dsp="http://schemas.microsoft.com/office/drawing/2008/diagram">
       <p:transition/>
     </mc:Fallback>
   </mc:AlternateContent>
@@ -23832,7 +24295,7 @@
     <mc:Choice Requires="p14">
       <p:transition/>
     </mc:Choice>
-    <mc:Fallback xmlns:dsp="http://schemas.microsoft.com/office/drawing/2008/diagram" xmlns:dgm="http://schemas.openxmlformats.org/drawingml/2006/diagram" xmlns:c="http://schemas.openxmlformats.org/drawingml/2006/chart" xmlns="">
+    <mc:Fallback xmlns="" xmlns:c="http://schemas.openxmlformats.org/drawingml/2006/chart" xmlns:dgm="http://schemas.openxmlformats.org/drawingml/2006/diagram" xmlns:dsp="http://schemas.microsoft.com/office/drawing/2008/diagram">
       <p:transition/>
     </mc:Fallback>
   </mc:AlternateContent>
